--- a/DotNETWorkflows.pptx
+++ b/DotNETWorkflows.pptx
@@ -11575,7 +11575,12 @@
             <p:ph type="ctrTitle"/>
           </p:nvPr>
         </p:nvSpPr>
-        <p:spPr/>
+        <p:spPr>
+          <a:xfrm>
+            <a:off x="420263" y="2438794"/>
+            <a:ext cx="8144134" cy="1373070"/>
+          </a:xfrm>
+        </p:spPr>
         <p:txBody>
           <a:bodyPr/>
           <a:lstStyle/>
@@ -11611,17 +11616,173 @@
           </a:xfrm>
         </p:spPr>
         <p:txBody>
-          <a:bodyPr/>
+          <a:bodyPr>
+            <a:normAutofit/>
+          </a:bodyPr>
           <a:lstStyle/>
           <a:p>
-            <a:pPr algn="l"/>
-            <a:r>
-              <a:rPr lang="en-US" dirty="0"/>
+            <a:pPr algn="ctr"/>
+            <a:r>
+              <a:rPr lang="en-US" sz="3200" dirty="0">
+                <a:solidFill>
+                  <a:schemeClr val="bg1"/>
+                </a:solidFill>
+              </a:rPr>
               <a:t>Bill Holman</a:t>
             </a:r>
           </a:p>
         </p:txBody>
       </p:sp>
+      <p:pic>
+        <p:nvPicPr>
+          <p:cNvPr id="5" name="Picture 4">
+            <a:extLst>
+              <a:ext uri="{FF2B5EF4-FFF2-40B4-BE49-F238E27FC236}">
+                <a16:creationId xmlns:a16="http://schemas.microsoft.com/office/drawing/2014/main" id="{82002D4E-0058-411C-AB01-629F668047B2}"/>
+              </a:ext>
+            </a:extLst>
+          </p:cNvPr>
+          <p:cNvPicPr>
+            <a:picLocks noChangeAspect="1"/>
+          </p:cNvPicPr>
+          <p:nvPr/>
+        </p:nvPicPr>
+        <p:blipFill>
+          <a:blip r:embed="rId2"/>
+          <a:stretch>
+            <a:fillRect/>
+          </a:stretch>
+        </p:blipFill>
+        <p:spPr>
+          <a:xfrm>
+            <a:off x="2114935" y="5010882"/>
+            <a:ext cx="1786765" cy="1620554"/>
+          </a:xfrm>
+          <a:prstGeom prst="rect">
+            <a:avLst/>
+          </a:prstGeom>
+        </p:spPr>
+      </p:pic>
+      <p:pic>
+        <p:nvPicPr>
+          <p:cNvPr id="7" name="Picture 6">
+            <a:extLst>
+              <a:ext uri="{FF2B5EF4-FFF2-40B4-BE49-F238E27FC236}">
+                <a16:creationId xmlns:a16="http://schemas.microsoft.com/office/drawing/2014/main" id="{E4C393F8-E4F8-40FD-9740-F99335CA2780}"/>
+              </a:ext>
+            </a:extLst>
+          </p:cNvPr>
+          <p:cNvPicPr>
+            <a:picLocks noChangeAspect="1"/>
+          </p:cNvPicPr>
+          <p:nvPr/>
+        </p:nvPicPr>
+        <p:blipFill>
+          <a:blip r:embed="rId3"/>
+          <a:stretch>
+            <a:fillRect/>
+          </a:stretch>
+        </p:blipFill>
+        <p:spPr>
+          <a:xfrm>
+            <a:off x="169395" y="4634785"/>
+            <a:ext cx="1595518" cy="1996651"/>
+          </a:xfrm>
+          <a:prstGeom prst="rect">
+            <a:avLst/>
+          </a:prstGeom>
+        </p:spPr>
+      </p:pic>
+      <p:pic>
+        <p:nvPicPr>
+          <p:cNvPr id="9" name="Picture 8">
+            <a:extLst>
+              <a:ext uri="{FF2B5EF4-FFF2-40B4-BE49-F238E27FC236}">
+                <a16:creationId xmlns:a16="http://schemas.microsoft.com/office/drawing/2014/main" id="{6D049C53-AA6C-4AA8-95D1-8C8C6A4D440F}"/>
+              </a:ext>
+            </a:extLst>
+          </p:cNvPr>
+          <p:cNvPicPr>
+            <a:picLocks noChangeAspect="1"/>
+          </p:cNvPicPr>
+          <p:nvPr/>
+        </p:nvPicPr>
+        <p:blipFill>
+          <a:blip r:embed="rId4"/>
+          <a:stretch>
+            <a:fillRect/>
+          </a:stretch>
+        </p:blipFill>
+        <p:spPr>
+          <a:xfrm>
+            <a:off x="9939878" y="4636565"/>
+            <a:ext cx="1990599" cy="1994871"/>
+          </a:xfrm>
+          <a:prstGeom prst="rect">
+            <a:avLst/>
+          </a:prstGeom>
+        </p:spPr>
+      </p:pic>
+      <p:pic>
+        <p:nvPicPr>
+          <p:cNvPr id="11" name="Picture 10">
+            <a:extLst>
+              <a:ext uri="{FF2B5EF4-FFF2-40B4-BE49-F238E27FC236}">
+                <a16:creationId xmlns:a16="http://schemas.microsoft.com/office/drawing/2014/main" id="{175D6E51-7B29-425C-BF47-B909E355419D}"/>
+              </a:ext>
+            </a:extLst>
+          </p:cNvPr>
+          <p:cNvPicPr>
+            <a:picLocks noChangeAspect="1"/>
+          </p:cNvPicPr>
+          <p:nvPr/>
+        </p:nvPicPr>
+        <p:blipFill>
+          <a:blip r:embed="rId5"/>
+          <a:stretch>
+            <a:fillRect/>
+          </a:stretch>
+        </p:blipFill>
+        <p:spPr>
+          <a:xfrm>
+            <a:off x="8421784" y="4698319"/>
+            <a:ext cx="1244637" cy="1869581"/>
+          </a:xfrm>
+          <a:prstGeom prst="rect">
+            <a:avLst/>
+          </a:prstGeom>
+        </p:spPr>
+      </p:pic>
+      <p:pic>
+        <p:nvPicPr>
+          <p:cNvPr id="15" name="Picture 14">
+            <a:extLst>
+              <a:ext uri="{FF2B5EF4-FFF2-40B4-BE49-F238E27FC236}">
+                <a16:creationId xmlns:a16="http://schemas.microsoft.com/office/drawing/2014/main" id="{63AC5A08-A710-44CE-A0E4-58D4CCF3BC60}"/>
+              </a:ext>
+            </a:extLst>
+          </p:cNvPr>
+          <p:cNvPicPr>
+            <a:picLocks noChangeAspect="1"/>
+          </p:cNvPicPr>
+          <p:nvPr/>
+        </p:nvPicPr>
+        <p:blipFill>
+          <a:blip r:embed="rId6"/>
+          <a:stretch>
+            <a:fillRect/>
+          </a:stretch>
+        </p:blipFill>
+        <p:spPr>
+          <a:xfrm>
+            <a:off x="4459411" y="5010882"/>
+            <a:ext cx="3120408" cy="1620554"/>
+          </a:xfrm>
+          <a:prstGeom prst="rect">
+            <a:avLst/>
+          </a:prstGeom>
+        </p:spPr>
+      </p:pic>
     </p:spTree>
     <p:extLst>
       <p:ext uri="{BB962C8B-B14F-4D97-AF65-F5344CB8AC3E}">
@@ -12311,7 +12472,12 @@
             <p:ph idx="1"/>
           </p:nvPr>
         </p:nvSpPr>
-        <p:spPr/>
+        <p:spPr>
+          <a:xfrm>
+            <a:off x="680321" y="2336873"/>
+            <a:ext cx="7247275" cy="3599316"/>
+          </a:xfrm>
+        </p:spPr>
         <p:txBody>
           <a:bodyPr/>
           <a:lstStyle/>
@@ -12423,6 +12589,111 @@
           <a:p>
             <a:pPr lvl="1"/>
             <a:endParaRPr lang="en-US" dirty="0"/>
+          </a:p>
+        </p:txBody>
+      </p:sp>
+      <p:sp>
+        <p:nvSpPr>
+          <p:cNvPr id="5" name="TextBox 4">
+            <a:extLst>
+              <a:ext uri="{FF2B5EF4-FFF2-40B4-BE49-F238E27FC236}">
+                <a16:creationId xmlns:a16="http://schemas.microsoft.com/office/drawing/2014/main" id="{B7B5D4BE-052D-48BF-887D-A0DB8B6707CB}"/>
+              </a:ext>
+            </a:extLst>
+          </p:cNvPr>
+          <p:cNvSpPr txBox="1"/>
+          <p:nvPr/>
+        </p:nvSpPr>
+        <p:spPr>
+          <a:xfrm>
+            <a:off x="9020858" y="4874974"/>
+            <a:ext cx="3283302" cy="369332"/>
+          </a:xfrm>
+          <a:prstGeom prst="rect">
+            <a:avLst/>
+          </a:prstGeom>
+          <a:noFill/>
+        </p:spPr>
+        <p:txBody>
+          <a:bodyPr wrap="square">
+            <a:spAutoFit/>
+          </a:bodyPr>
+          <a:lstStyle/>
+          <a:p>
+            <a:r>
+              <a:rPr lang="en-US" dirty="0"/>
+              <a:t>Inspired by Fire</a:t>
+            </a:r>
+          </a:p>
+        </p:txBody>
+      </p:sp>
+      <p:pic>
+        <p:nvPicPr>
+          <p:cNvPr id="6" name="Picture 5">
+            <a:hlinkClick r:id="rId4"/>
+            <a:extLst>
+              <a:ext uri="{FF2B5EF4-FFF2-40B4-BE49-F238E27FC236}">
+                <a16:creationId xmlns:a16="http://schemas.microsoft.com/office/drawing/2014/main" id="{BC976C49-B150-49F0-BC4A-2B4F1320FC99}"/>
+              </a:ext>
+            </a:extLst>
+          </p:cNvPr>
+          <p:cNvPicPr>
+            <a:picLocks noChangeAspect="1"/>
+          </p:cNvPicPr>
+          <p:nvPr/>
+        </p:nvPicPr>
+        <p:blipFill>
+          <a:blip r:embed="rId5"/>
+          <a:stretch>
+            <a:fillRect/>
+          </a:stretch>
+        </p:blipFill>
+        <p:spPr>
+          <a:xfrm>
+            <a:off x="9285546" y="2914807"/>
+            <a:ext cx="1244637" cy="1869581"/>
+          </a:xfrm>
+          <a:prstGeom prst="rect">
+            <a:avLst/>
+          </a:prstGeom>
+        </p:spPr>
+      </p:pic>
+      <p:sp>
+        <p:nvSpPr>
+          <p:cNvPr id="7" name="TextBox 6">
+            <a:extLst>
+              <a:ext uri="{FF2B5EF4-FFF2-40B4-BE49-F238E27FC236}">
+                <a16:creationId xmlns:a16="http://schemas.microsoft.com/office/drawing/2014/main" id="{31687BCD-325F-431C-B046-85079F316901}"/>
+              </a:ext>
+            </a:extLst>
+          </p:cNvPr>
+          <p:cNvSpPr txBox="1"/>
+          <p:nvPr/>
+        </p:nvSpPr>
+        <p:spPr>
+          <a:xfrm>
+            <a:off x="9285546" y="5196392"/>
+            <a:ext cx="1301959" cy="276999"/>
+          </a:xfrm>
+          <a:prstGeom prst="rect">
+            <a:avLst/>
+          </a:prstGeom>
+          <a:noFill/>
+        </p:spPr>
+        <p:txBody>
+          <a:bodyPr wrap="none" rtlCol="0">
+            <a:spAutoFit/>
+          </a:bodyPr>
+          <a:lstStyle/>
+          <a:p>
+            <a:r>
+              <a:rPr lang="en-US" sz="1200" dirty="0">
+                <a:solidFill>
+                  <a:schemeClr val="bg1"/>
+                </a:solidFill>
+              </a:rPr>
+              <a:t>(Click on image)</a:t>
+            </a:r>
           </a:p>
         </p:txBody>
       </p:sp>

--- a/DotNETWorkflows.pptx
+++ b/DotNETWorkflows.pptx
@@ -12697,6 +12697,50 @@
           </a:p>
         </p:txBody>
       </p:sp>
+      <p:sp>
+        <p:nvSpPr>
+          <p:cNvPr id="8" name="TextBox 7">
+            <a:extLst>
+              <a:ext uri="{FF2B5EF4-FFF2-40B4-BE49-F238E27FC236}">
+                <a16:creationId xmlns:a16="http://schemas.microsoft.com/office/drawing/2014/main" id="{E47DC0B5-2872-4EAA-AC8F-E474505B518A}"/>
+              </a:ext>
+            </a:extLst>
+          </p:cNvPr>
+          <p:cNvSpPr txBox="1"/>
+          <p:nvPr/>
+        </p:nvSpPr>
+        <p:spPr>
+          <a:xfrm>
+            <a:off x="2734811" y="5244306"/>
+            <a:ext cx="1342034" cy="369332"/>
+          </a:xfrm>
+          <a:prstGeom prst="rect">
+            <a:avLst/>
+          </a:prstGeom>
+          <a:noFill/>
+        </p:spPr>
+        <p:txBody>
+          <a:bodyPr wrap="none" rtlCol="0">
+            <a:spAutoFit/>
+          </a:bodyPr>
+          <a:lstStyle/>
+          <a:p>
+            <a:r>
+              <a:rPr lang="en-US" dirty="0">
+                <a:hlinkClick r:id="rId6"/>
+              </a:rPr>
+              <a:t>Bill </a:t>
+            </a:r>
+            <a:r>
+              <a:rPr lang="en-US" dirty="0" err="1">
+                <a:hlinkClick r:id="rId6"/>
+              </a:rPr>
+              <a:t>holman</a:t>
+            </a:r>
+            <a:endParaRPr lang="en-US" dirty="0"/>
+          </a:p>
+        </p:txBody>
+      </p:sp>
     </p:spTree>
     <p:extLst>
       <p:ext uri="{BB962C8B-B14F-4D97-AF65-F5344CB8AC3E}">
